--- a/draftfigs/masks_plus.pptx
+++ b/draftfigs/masks_plus.pptx
@@ -243,7 +243,7 @@
           <a:p>
             <a:fld id="{803E3878-CEFB-8C45-A7D1-B2A6D544C41F}" type="datetimeFigureOut">
               <a:rPr lang="en-NL" smtClean="0"/>
-              <a:t>30/07/2021</a:t>
+              <a:t>11/09/2021</a:t>
             </a:fld>
             <a:endParaRPr lang="en-NL"/>
           </a:p>
@@ -413,7 +413,7 @@
           <a:p>
             <a:fld id="{803E3878-CEFB-8C45-A7D1-B2A6D544C41F}" type="datetimeFigureOut">
               <a:rPr lang="en-NL" smtClean="0"/>
-              <a:t>30/07/2021</a:t>
+              <a:t>11/09/2021</a:t>
             </a:fld>
             <a:endParaRPr lang="en-NL"/>
           </a:p>
@@ -593,7 +593,7 @@
           <a:p>
             <a:fld id="{803E3878-CEFB-8C45-A7D1-B2A6D544C41F}" type="datetimeFigureOut">
               <a:rPr lang="en-NL" smtClean="0"/>
-              <a:t>30/07/2021</a:t>
+              <a:t>11/09/2021</a:t>
             </a:fld>
             <a:endParaRPr lang="en-NL"/>
           </a:p>
@@ -763,7 +763,7 @@
           <a:p>
             <a:fld id="{803E3878-CEFB-8C45-A7D1-B2A6D544C41F}" type="datetimeFigureOut">
               <a:rPr lang="en-NL" smtClean="0"/>
-              <a:t>30/07/2021</a:t>
+              <a:t>11/09/2021</a:t>
             </a:fld>
             <a:endParaRPr lang="en-NL"/>
           </a:p>
@@ -1009,7 +1009,7 @@
           <a:p>
             <a:fld id="{803E3878-CEFB-8C45-A7D1-B2A6D544C41F}" type="datetimeFigureOut">
               <a:rPr lang="en-NL" smtClean="0"/>
-              <a:t>30/07/2021</a:t>
+              <a:t>11/09/2021</a:t>
             </a:fld>
             <a:endParaRPr lang="en-NL"/>
           </a:p>
@@ -1241,7 +1241,7 @@
           <a:p>
             <a:fld id="{803E3878-CEFB-8C45-A7D1-B2A6D544C41F}" type="datetimeFigureOut">
               <a:rPr lang="en-NL" smtClean="0"/>
-              <a:t>30/07/2021</a:t>
+              <a:t>11/09/2021</a:t>
             </a:fld>
             <a:endParaRPr lang="en-NL"/>
           </a:p>
@@ -1608,7 +1608,7 @@
           <a:p>
             <a:fld id="{803E3878-CEFB-8C45-A7D1-B2A6D544C41F}" type="datetimeFigureOut">
               <a:rPr lang="en-NL" smtClean="0"/>
-              <a:t>30/07/2021</a:t>
+              <a:t>11/09/2021</a:t>
             </a:fld>
             <a:endParaRPr lang="en-NL"/>
           </a:p>
@@ -1726,7 +1726,7 @@
           <a:p>
             <a:fld id="{803E3878-CEFB-8C45-A7D1-B2A6D544C41F}" type="datetimeFigureOut">
               <a:rPr lang="en-NL" smtClean="0"/>
-              <a:t>30/07/2021</a:t>
+              <a:t>11/09/2021</a:t>
             </a:fld>
             <a:endParaRPr lang="en-NL"/>
           </a:p>
@@ -1821,7 +1821,7 @@
           <a:p>
             <a:fld id="{803E3878-CEFB-8C45-A7D1-B2A6D544C41F}" type="datetimeFigureOut">
               <a:rPr lang="en-NL" smtClean="0"/>
-              <a:t>30/07/2021</a:t>
+              <a:t>11/09/2021</a:t>
             </a:fld>
             <a:endParaRPr lang="en-NL"/>
           </a:p>
@@ -2098,7 +2098,7 @@
           <a:p>
             <a:fld id="{803E3878-CEFB-8C45-A7D1-B2A6D544C41F}" type="datetimeFigureOut">
               <a:rPr lang="en-NL" smtClean="0"/>
-              <a:t>30/07/2021</a:t>
+              <a:t>11/09/2021</a:t>
             </a:fld>
             <a:endParaRPr lang="en-NL"/>
           </a:p>
@@ -2355,7 +2355,7 @@
           <a:p>
             <a:fld id="{803E3878-CEFB-8C45-A7D1-B2A6D544C41F}" type="datetimeFigureOut">
               <a:rPr lang="en-NL" smtClean="0"/>
-              <a:t>30/07/2021</a:t>
+              <a:t>11/09/2021</a:t>
             </a:fld>
             <a:endParaRPr lang="en-NL"/>
           </a:p>
@@ -2568,7 +2568,7 @@
           <a:p>
             <a:fld id="{803E3878-CEFB-8C45-A7D1-B2A6D544C41F}" type="datetimeFigureOut">
               <a:rPr lang="en-NL" smtClean="0"/>
-              <a:t>30/07/2021</a:t>
+              <a:t>11/09/2021</a:t>
             </a:fld>
             <a:endParaRPr lang="en-NL"/>
           </a:p>
@@ -3093,7 +3093,7 @@
               <a:r>
                 <a:rPr lang="en-NL" sz="900" b="1" dirty="0">
                   <a:solidFill>
-                    <a:srgbClr val="2BA02B"/>
+                    <a:srgbClr val="1E77B4"/>
                   </a:solidFill>
                   <a:latin typeface="Garamond" panose="02020404030301010803" pitchFamily="18" charset="0"/>
                 </a:rPr>
@@ -3573,7 +3573,7 @@
             </a:prstGeom>
             <a:ln w="38100">
               <a:solidFill>
-                <a:srgbClr val="2BA02B"/>
+                <a:srgbClr val="1E77B4"/>
               </a:solidFill>
               <a:tailEnd type="triangle"/>
             </a:ln>
@@ -3621,7 +3621,7 @@
             </a:prstGeom>
             <a:ln w="38100">
               <a:solidFill>
-                <a:srgbClr val="2BA02B"/>
+                <a:srgbClr val="1E77B4"/>
               </a:solidFill>
               <a:tailEnd type="triangle"/>
             </a:ln>
@@ -3669,7 +3669,7 @@
             </a:prstGeom>
             <a:ln w="38100">
               <a:solidFill>
-                <a:srgbClr val="1E77B4"/>
+                <a:srgbClr val="9467BD"/>
               </a:solidFill>
               <a:tailEnd type="triangle"/>
             </a:ln>
@@ -3715,7 +3715,7 @@
             </a:prstGeom>
             <a:ln w="38100">
               <a:solidFill>
-                <a:srgbClr val="9467BD"/>
+                <a:srgbClr val="2BA02B"/>
               </a:solidFill>
               <a:tailEnd type="triangle"/>
             </a:ln>
@@ -3966,7 +3966,7 @@
               <a:r>
                 <a:rPr lang="en-NL" sz="900" b="1" dirty="0">
                   <a:solidFill>
-                    <a:srgbClr val="2BA02B"/>
+                    <a:srgbClr val="1E77B4"/>
                   </a:solidFill>
                   <a:latin typeface="Garamond" panose="02020404030301010803" pitchFamily="18" charset="0"/>
                 </a:rPr>
@@ -4006,7 +4006,7 @@
               <a:r>
                 <a:rPr lang="en-NL" sz="900" b="1" dirty="0">
                   <a:solidFill>
-                    <a:srgbClr val="1E77B4"/>
+                    <a:srgbClr val="9467BD"/>
                   </a:solidFill>
                   <a:latin typeface="Garamond" panose="02020404030301010803" pitchFamily="18" charset="0"/>
                 </a:rPr>
@@ -4046,7 +4046,7 @@
               <a:r>
                 <a:rPr lang="en-NL" sz="900" b="1" dirty="0">
                   <a:solidFill>
-                    <a:srgbClr val="9467BD"/>
+                    <a:srgbClr val="2BA02B"/>
                   </a:solidFill>
                   <a:latin typeface="Garamond" panose="02020404030301010803" pitchFamily="18" charset="0"/>
                 </a:rPr>
@@ -4156,7 +4156,7 @@
               <a:avLst/>
             </a:prstGeom>
             <a:solidFill>
-              <a:srgbClr val="2BA02B"/>
+              <a:srgbClr val="1E77B4"/>
             </a:solidFill>
           </p:spPr>
           <p:txBody>
@@ -4196,7 +4196,7 @@
               <a:avLst/>
             </a:prstGeom>
             <a:solidFill>
-              <a:srgbClr val="1E77B4"/>
+              <a:srgbClr val="9467BD"/>
             </a:solidFill>
           </p:spPr>
           <p:txBody>
@@ -4236,7 +4236,7 @@
               <a:avLst/>
             </a:prstGeom>
             <a:solidFill>
-              <a:srgbClr val="9467BD"/>
+              <a:srgbClr val="2BA02B"/>
             </a:solidFill>
           </p:spPr>
           <p:txBody>
@@ -4356,7 +4356,7 @@
               <a:avLst/>
             </a:prstGeom>
             <a:solidFill>
-              <a:srgbClr val="2BA02B"/>
+              <a:srgbClr val="1E77B4"/>
             </a:solidFill>
           </p:spPr>
           <p:txBody>
@@ -4396,7 +4396,7 @@
               <a:avLst/>
             </a:prstGeom>
             <a:solidFill>
-              <a:srgbClr val="1E77B4"/>
+              <a:srgbClr val="9467BD"/>
             </a:solidFill>
           </p:spPr>
           <p:txBody>
@@ -4436,7 +4436,7 @@
               <a:avLst/>
             </a:prstGeom>
             <a:solidFill>
-              <a:srgbClr val="9467BD"/>
+              <a:srgbClr val="2BA02B"/>
             </a:solidFill>
           </p:spPr>
           <p:txBody>

--- a/draftfigs/masks_plus.pptx
+++ b/draftfigs/masks_plus.pptx
@@ -243,7 +243,7 @@
           <a:p>
             <a:fld id="{803E3878-CEFB-8C45-A7D1-B2A6D544C41F}" type="datetimeFigureOut">
               <a:rPr lang="en-NL" smtClean="0"/>
-              <a:t>11/09/2021</a:t>
+              <a:t>21/09/2021</a:t>
             </a:fld>
             <a:endParaRPr lang="en-NL"/>
           </a:p>
@@ -413,7 +413,7 @@
           <a:p>
             <a:fld id="{803E3878-CEFB-8C45-A7D1-B2A6D544C41F}" type="datetimeFigureOut">
               <a:rPr lang="en-NL" smtClean="0"/>
-              <a:t>11/09/2021</a:t>
+              <a:t>21/09/2021</a:t>
             </a:fld>
             <a:endParaRPr lang="en-NL"/>
           </a:p>
@@ -593,7 +593,7 @@
           <a:p>
             <a:fld id="{803E3878-CEFB-8C45-A7D1-B2A6D544C41F}" type="datetimeFigureOut">
               <a:rPr lang="en-NL" smtClean="0"/>
-              <a:t>11/09/2021</a:t>
+              <a:t>21/09/2021</a:t>
             </a:fld>
             <a:endParaRPr lang="en-NL"/>
           </a:p>
@@ -763,7 +763,7 @@
           <a:p>
             <a:fld id="{803E3878-CEFB-8C45-A7D1-B2A6D544C41F}" type="datetimeFigureOut">
               <a:rPr lang="en-NL" smtClean="0"/>
-              <a:t>11/09/2021</a:t>
+              <a:t>21/09/2021</a:t>
             </a:fld>
             <a:endParaRPr lang="en-NL"/>
           </a:p>
@@ -1009,7 +1009,7 @@
           <a:p>
             <a:fld id="{803E3878-CEFB-8C45-A7D1-B2A6D544C41F}" type="datetimeFigureOut">
               <a:rPr lang="en-NL" smtClean="0"/>
-              <a:t>11/09/2021</a:t>
+              <a:t>21/09/2021</a:t>
             </a:fld>
             <a:endParaRPr lang="en-NL"/>
           </a:p>
@@ -1241,7 +1241,7 @@
           <a:p>
             <a:fld id="{803E3878-CEFB-8C45-A7D1-B2A6D544C41F}" type="datetimeFigureOut">
               <a:rPr lang="en-NL" smtClean="0"/>
-              <a:t>11/09/2021</a:t>
+              <a:t>21/09/2021</a:t>
             </a:fld>
             <a:endParaRPr lang="en-NL"/>
           </a:p>
@@ -1608,7 +1608,7 @@
           <a:p>
             <a:fld id="{803E3878-CEFB-8C45-A7D1-B2A6D544C41F}" type="datetimeFigureOut">
               <a:rPr lang="en-NL" smtClean="0"/>
-              <a:t>11/09/2021</a:t>
+              <a:t>21/09/2021</a:t>
             </a:fld>
             <a:endParaRPr lang="en-NL"/>
           </a:p>
@@ -1726,7 +1726,7 @@
           <a:p>
             <a:fld id="{803E3878-CEFB-8C45-A7D1-B2A6D544C41F}" type="datetimeFigureOut">
               <a:rPr lang="en-NL" smtClean="0"/>
-              <a:t>11/09/2021</a:t>
+              <a:t>21/09/2021</a:t>
             </a:fld>
             <a:endParaRPr lang="en-NL"/>
           </a:p>
@@ -1821,7 +1821,7 @@
           <a:p>
             <a:fld id="{803E3878-CEFB-8C45-A7D1-B2A6D544C41F}" type="datetimeFigureOut">
               <a:rPr lang="en-NL" smtClean="0"/>
-              <a:t>11/09/2021</a:t>
+              <a:t>21/09/2021</a:t>
             </a:fld>
             <a:endParaRPr lang="en-NL"/>
           </a:p>
@@ -2098,7 +2098,7 @@
           <a:p>
             <a:fld id="{803E3878-CEFB-8C45-A7D1-B2A6D544C41F}" type="datetimeFigureOut">
               <a:rPr lang="en-NL" smtClean="0"/>
-              <a:t>11/09/2021</a:t>
+              <a:t>21/09/2021</a:t>
             </a:fld>
             <a:endParaRPr lang="en-NL"/>
           </a:p>
@@ -2355,7 +2355,7 @@
           <a:p>
             <a:fld id="{803E3878-CEFB-8C45-A7D1-B2A6D544C41F}" type="datetimeFigureOut">
               <a:rPr lang="en-NL" smtClean="0"/>
-              <a:t>11/09/2021</a:t>
+              <a:t>21/09/2021</a:t>
             </a:fld>
             <a:endParaRPr lang="en-NL"/>
           </a:p>
@@ -2568,7 +2568,7 @@
           <a:p>
             <a:fld id="{803E3878-CEFB-8C45-A7D1-B2A6D544C41F}" type="datetimeFigureOut">
               <a:rPr lang="en-NL" smtClean="0"/>
-              <a:t>11/09/2021</a:t>
+              <a:t>21/09/2021</a:t>
             </a:fld>
             <a:endParaRPr lang="en-NL"/>
           </a:p>
@@ -3240,7 +3240,7 @@
             </a:xfrm>
             <a:prstGeom prst="curvedConnector3">
               <a:avLst>
-                <a:gd name="adj1" fmla="val 68228"/>
+                <a:gd name="adj1" fmla="val 67102"/>
               </a:avLst>
             </a:prstGeom>
             <a:ln w="38100">
@@ -3287,7 +3287,7 @@
             </a:xfrm>
             <a:prstGeom prst="curvedConnector3">
               <a:avLst>
-                <a:gd name="adj1" fmla="val 66266"/>
+                <a:gd name="adj1" fmla="val 65507"/>
               </a:avLst>
             </a:prstGeom>
             <a:ln w="38100">
@@ -3330,8 +3330,8 @@
           </p:nvCxnSpPr>
           <p:spPr>
             <a:xfrm>
-              <a:off x="4197261" y="583896"/>
-              <a:ext cx="1006489" cy="12700"/>
+              <a:off x="4197262" y="583896"/>
+              <a:ext cx="1006488" cy="12700"/>
             </a:xfrm>
             <a:prstGeom prst="curvedConnector3">
               <a:avLst/>
@@ -3380,7 +3380,7 @@
             </a:xfrm>
             <a:prstGeom prst="curvedConnector3">
               <a:avLst>
-                <a:gd name="adj1" fmla="val 61310"/>
+                <a:gd name="adj1" fmla="val 62103"/>
               </a:avLst>
             </a:prstGeom>
             <a:ln w="38100">
@@ -3423,8 +3423,8 @@
           </p:nvCxnSpPr>
           <p:spPr>
             <a:xfrm>
-              <a:off x="4201179" y="881803"/>
-              <a:ext cx="1006489" cy="12700"/>
+              <a:off x="4201180" y="881803"/>
+              <a:ext cx="1006488" cy="12700"/>
             </a:xfrm>
             <a:prstGeom prst="curvedConnector3">
               <a:avLst/>
@@ -3469,12 +3469,12 @@
           </p:nvCxnSpPr>
           <p:spPr>
             <a:xfrm>
-              <a:off x="4201179" y="881803"/>
-              <a:ext cx="1002571" cy="297913"/>
+              <a:off x="4201180" y="881803"/>
+              <a:ext cx="1002570" cy="297913"/>
             </a:xfrm>
             <a:prstGeom prst="curvedConnector3">
               <a:avLst>
-                <a:gd name="adj1" fmla="val 35210"/>
+                <a:gd name="adj1" fmla="val 34892"/>
               </a:avLst>
             </a:prstGeom>
             <a:ln w="38100">
@@ -3517,12 +3517,12 @@
           </p:nvCxnSpPr>
           <p:spPr>
             <a:xfrm>
-              <a:off x="4201179" y="881803"/>
-              <a:ext cx="1009391" cy="596442"/>
+              <a:off x="4201180" y="881803"/>
+              <a:ext cx="1009390" cy="596442"/>
             </a:xfrm>
             <a:prstGeom prst="curvedConnector3">
               <a:avLst>
-                <a:gd name="adj1" fmla="val 31638"/>
+                <a:gd name="adj1" fmla="val 33883"/>
               </a:avLst>
             </a:prstGeom>
             <a:ln w="38100">
@@ -3616,7 +3616,7 @@
             </a:xfrm>
             <a:prstGeom prst="curvedConnector3">
               <a:avLst>
-                <a:gd name="adj1" fmla="val 31302"/>
+                <a:gd name="adj1" fmla="val 30070"/>
               </a:avLst>
             </a:prstGeom>
             <a:ln w="38100">
@@ -3659,8 +3659,8 @@
           </p:nvCxnSpPr>
           <p:spPr>
             <a:xfrm>
-              <a:off x="4204081" y="1478245"/>
-              <a:ext cx="1006489" cy="12700"/>
+              <a:off x="4204082" y="1478245"/>
+              <a:ext cx="1006488" cy="12700"/>
             </a:xfrm>
             <a:prstGeom prst="curvedConnector3">
               <a:avLst>
@@ -3707,8 +3707,8 @@
           </p:nvCxnSpPr>
           <p:spPr>
             <a:xfrm>
-              <a:off x="4204081" y="1775888"/>
-              <a:ext cx="1006489" cy="12700"/>
+              <a:off x="4204082" y="1775888"/>
+              <a:ext cx="1006488" cy="12700"/>
             </a:xfrm>
             <a:prstGeom prst="curvedConnector3">
               <a:avLst/>
@@ -4069,8 +4069,8 @@
           </p:nvSpPr>
           <p:spPr>
             <a:xfrm>
-              <a:off x="3567194" y="456201"/>
-              <a:ext cx="630067" cy="255389"/>
+              <a:off x="3468282" y="456201"/>
+              <a:ext cx="728980" cy="255389"/>
             </a:xfrm>
             <a:prstGeom prst="roundRect">
               <a:avLst/>
@@ -4090,7 +4090,7 @@
                 <a:rPr lang="en-NL" sz="900" dirty="0">
                   <a:latin typeface="Garamond" panose="02020404030301010803" pitchFamily="18" charset="0"/>
                 </a:rPr>
-                <a:t>AMUN</a:t>
+                <a:t>Amundsen</a:t>
               </a:r>
             </a:p>
           </p:txBody>
@@ -4109,8 +4109,8 @@
           </p:nvSpPr>
           <p:spPr>
             <a:xfrm>
-              <a:off x="3571112" y="754108"/>
-              <a:ext cx="630067" cy="255389"/>
+              <a:off x="3468282" y="754108"/>
+              <a:ext cx="732898" cy="255389"/>
             </a:xfrm>
             <a:prstGeom prst="roundRect">
               <a:avLst/>
@@ -4130,7 +4130,7 @@
                 <a:rPr lang="en-NL" sz="900" dirty="0">
                   <a:latin typeface="Garamond" panose="02020404030301010803" pitchFamily="18" charset="0"/>
                 </a:rPr>
-                <a:t>ROSS</a:t>
+                <a:t>Ross</a:t>
               </a:r>
             </a:p>
           </p:txBody>
@@ -4149,8 +4149,8 @@
           </p:nvSpPr>
           <p:spPr>
             <a:xfrm>
-              <a:off x="3567194" y="1052021"/>
-              <a:ext cx="630067" cy="255389"/>
+              <a:off x="3468282" y="1052021"/>
+              <a:ext cx="728979" cy="255389"/>
             </a:xfrm>
             <a:prstGeom prst="roundRect">
               <a:avLst/>
@@ -4170,7 +4170,7 @@
                 <a:rPr lang="en-NL" sz="900" dirty="0">
                   <a:latin typeface="Garamond" panose="02020404030301010803" pitchFamily="18" charset="0"/>
                 </a:rPr>
-                <a:t>EAIS</a:t>
+                <a:t>East Ant.</a:t>
               </a:r>
             </a:p>
           </p:txBody>
@@ -4189,8 +4189,8 @@
           </p:nvSpPr>
           <p:spPr>
             <a:xfrm>
-              <a:off x="3574014" y="1350550"/>
-              <a:ext cx="630067" cy="255389"/>
+              <a:off x="3466154" y="1350550"/>
+              <a:ext cx="737928" cy="255389"/>
             </a:xfrm>
             <a:prstGeom prst="roundRect">
               <a:avLst/>
@@ -4210,7 +4210,7 @@
                 <a:rPr lang="en-NL" sz="900" dirty="0">
                   <a:latin typeface="Garamond" panose="02020404030301010803" pitchFamily="18" charset="0"/>
                 </a:rPr>
-                <a:t>WEDD</a:t>
+                <a:t>Weddell</a:t>
               </a:r>
             </a:p>
           </p:txBody>
@@ -4229,8 +4229,8 @@
           </p:nvSpPr>
           <p:spPr>
             <a:xfrm>
-              <a:off x="3574014" y="1648193"/>
-              <a:ext cx="630067" cy="255389"/>
+              <a:off x="3466154" y="1648193"/>
+              <a:ext cx="737928" cy="255389"/>
             </a:xfrm>
             <a:prstGeom prst="roundRect">
               <a:avLst/>
@@ -4250,7 +4250,7 @@
                 <a:rPr lang="en-NL" sz="900" dirty="0">
                   <a:latin typeface="Garamond" panose="02020404030301010803" pitchFamily="18" charset="0"/>
                 </a:rPr>
-                <a:t>PENS</a:t>
+                <a:t>Peninsula</a:t>
               </a:r>
             </a:p>
           </p:txBody>
@@ -4270,7 +4270,7 @@
           <p:spPr>
             <a:xfrm>
               <a:off x="5203750" y="456201"/>
-              <a:ext cx="618163" cy="255389"/>
+              <a:ext cx="710713" cy="255389"/>
             </a:xfrm>
             <a:prstGeom prst="roundRect">
               <a:avLst/>
@@ -4290,7 +4290,7 @@
                 <a:rPr lang="en-NL" sz="900" dirty="0">
                   <a:latin typeface="Garamond" panose="02020404030301010803" pitchFamily="18" charset="0"/>
                 </a:rPr>
-                <a:t>AMUN</a:t>
+                <a:t>Amundsen</a:t>
               </a:r>
             </a:p>
           </p:txBody>
@@ -4310,7 +4310,7 @@
           <p:spPr>
             <a:xfrm>
               <a:off x="5207668" y="754108"/>
-              <a:ext cx="618163" cy="255389"/>
+              <a:ext cx="706795" cy="255389"/>
             </a:xfrm>
             <a:prstGeom prst="roundRect">
               <a:avLst/>
@@ -4330,7 +4330,7 @@
                 <a:rPr lang="en-NL" sz="900" dirty="0">
                   <a:latin typeface="Garamond" panose="02020404030301010803" pitchFamily="18" charset="0"/>
                 </a:rPr>
-                <a:t>ROSS</a:t>
+                <a:t>Ross</a:t>
               </a:r>
             </a:p>
           </p:txBody>
@@ -4350,7 +4350,7 @@
           <p:spPr>
             <a:xfrm>
               <a:off x="5203750" y="1052021"/>
-              <a:ext cx="618163" cy="255389"/>
+              <a:ext cx="706795" cy="255389"/>
             </a:xfrm>
             <a:prstGeom prst="roundRect">
               <a:avLst/>
@@ -4370,7 +4370,7 @@
                 <a:rPr lang="en-NL" sz="900" dirty="0">
                   <a:latin typeface="Garamond" panose="02020404030301010803" pitchFamily="18" charset="0"/>
                 </a:rPr>
-                <a:t>EAIS</a:t>
+                <a:t>East Ant.</a:t>
               </a:r>
             </a:p>
           </p:txBody>
@@ -4390,7 +4390,7 @@
           <p:spPr>
             <a:xfrm>
               <a:off x="5210570" y="1350550"/>
-              <a:ext cx="618163" cy="255389"/>
+              <a:ext cx="699975" cy="255389"/>
             </a:xfrm>
             <a:prstGeom prst="roundRect">
               <a:avLst/>
@@ -4410,7 +4410,7 @@
                 <a:rPr lang="en-NL" sz="900" dirty="0">
                   <a:latin typeface="Garamond" panose="02020404030301010803" pitchFamily="18" charset="0"/>
                 </a:rPr>
-                <a:t>WEDD</a:t>
+                <a:t>Weddell</a:t>
               </a:r>
             </a:p>
           </p:txBody>
@@ -4430,7 +4430,7 @@
           <p:spPr>
             <a:xfrm>
               <a:off x="5210570" y="1648193"/>
-              <a:ext cx="618163" cy="255389"/>
+              <a:ext cx="699975" cy="255389"/>
             </a:xfrm>
             <a:prstGeom prst="roundRect">
               <a:avLst/>
@@ -4450,7 +4450,7 @@
                 <a:rPr lang="en-NL" sz="900" dirty="0">
                   <a:latin typeface="Garamond" panose="02020404030301010803" pitchFamily="18" charset="0"/>
                 </a:rPr>
-                <a:t>PENS</a:t>
+                <a:t>Peninsula</a:t>
               </a:r>
             </a:p>
           </p:txBody>

--- a/draftfigs/masks_plus.pptx
+++ b/draftfigs/masks_plus.pptx
@@ -243,7 +243,7 @@
           <a:p>
             <a:fld id="{803E3878-CEFB-8C45-A7D1-B2A6D544C41F}" type="datetimeFigureOut">
               <a:rPr lang="en-NL" smtClean="0"/>
-              <a:t>21/09/2021</a:t>
+              <a:t>25/04/2024</a:t>
             </a:fld>
             <a:endParaRPr lang="en-NL"/>
           </a:p>
@@ -413,7 +413,7 @@
           <a:p>
             <a:fld id="{803E3878-CEFB-8C45-A7D1-B2A6D544C41F}" type="datetimeFigureOut">
               <a:rPr lang="en-NL" smtClean="0"/>
-              <a:t>21/09/2021</a:t>
+              <a:t>25/04/2024</a:t>
             </a:fld>
             <a:endParaRPr lang="en-NL"/>
           </a:p>
@@ -593,7 +593,7 @@
           <a:p>
             <a:fld id="{803E3878-CEFB-8C45-A7D1-B2A6D544C41F}" type="datetimeFigureOut">
               <a:rPr lang="en-NL" smtClean="0"/>
-              <a:t>21/09/2021</a:t>
+              <a:t>25/04/2024</a:t>
             </a:fld>
             <a:endParaRPr lang="en-NL"/>
           </a:p>
@@ -763,7 +763,7 @@
           <a:p>
             <a:fld id="{803E3878-CEFB-8C45-A7D1-B2A6D544C41F}" type="datetimeFigureOut">
               <a:rPr lang="en-NL" smtClean="0"/>
-              <a:t>21/09/2021</a:t>
+              <a:t>25/04/2024</a:t>
             </a:fld>
             <a:endParaRPr lang="en-NL"/>
           </a:p>
@@ -1009,7 +1009,7 @@
           <a:p>
             <a:fld id="{803E3878-CEFB-8C45-A7D1-B2A6D544C41F}" type="datetimeFigureOut">
               <a:rPr lang="en-NL" smtClean="0"/>
-              <a:t>21/09/2021</a:t>
+              <a:t>25/04/2024</a:t>
             </a:fld>
             <a:endParaRPr lang="en-NL"/>
           </a:p>
@@ -1241,7 +1241,7 @@
           <a:p>
             <a:fld id="{803E3878-CEFB-8C45-A7D1-B2A6D544C41F}" type="datetimeFigureOut">
               <a:rPr lang="en-NL" smtClean="0"/>
-              <a:t>21/09/2021</a:t>
+              <a:t>25/04/2024</a:t>
             </a:fld>
             <a:endParaRPr lang="en-NL"/>
           </a:p>
@@ -1608,7 +1608,7 @@
           <a:p>
             <a:fld id="{803E3878-CEFB-8C45-A7D1-B2A6D544C41F}" type="datetimeFigureOut">
               <a:rPr lang="en-NL" smtClean="0"/>
-              <a:t>21/09/2021</a:t>
+              <a:t>25/04/2024</a:t>
             </a:fld>
             <a:endParaRPr lang="en-NL"/>
           </a:p>
@@ -1726,7 +1726,7 @@
           <a:p>
             <a:fld id="{803E3878-CEFB-8C45-A7D1-B2A6D544C41F}" type="datetimeFigureOut">
               <a:rPr lang="en-NL" smtClean="0"/>
-              <a:t>21/09/2021</a:t>
+              <a:t>25/04/2024</a:t>
             </a:fld>
             <a:endParaRPr lang="en-NL"/>
           </a:p>
@@ -1821,7 +1821,7 @@
           <a:p>
             <a:fld id="{803E3878-CEFB-8C45-A7D1-B2A6D544C41F}" type="datetimeFigureOut">
               <a:rPr lang="en-NL" smtClean="0"/>
-              <a:t>21/09/2021</a:t>
+              <a:t>25/04/2024</a:t>
             </a:fld>
             <a:endParaRPr lang="en-NL"/>
           </a:p>
@@ -2098,7 +2098,7 @@
           <a:p>
             <a:fld id="{803E3878-CEFB-8C45-A7D1-B2A6D544C41F}" type="datetimeFigureOut">
               <a:rPr lang="en-NL" smtClean="0"/>
-              <a:t>21/09/2021</a:t>
+              <a:t>25/04/2024</a:t>
             </a:fld>
             <a:endParaRPr lang="en-NL"/>
           </a:p>
@@ -2355,7 +2355,7 @@
           <a:p>
             <a:fld id="{803E3878-CEFB-8C45-A7D1-B2A6D544C41F}" type="datetimeFigureOut">
               <a:rPr lang="en-NL" smtClean="0"/>
-              <a:t>21/09/2021</a:t>
+              <a:t>25/04/2024</a:t>
             </a:fld>
             <a:endParaRPr lang="en-NL"/>
           </a:p>
@@ -2568,7 +2568,7 @@
           <a:p>
             <a:fld id="{803E3878-CEFB-8C45-A7D1-B2A6D544C41F}" type="datetimeFigureOut">
               <a:rPr lang="en-NL" smtClean="0"/>
-              <a:t>21/09/2021</a:t>
+              <a:t>25/04/2024</a:t>
             </a:fld>
             <a:endParaRPr lang="en-NL"/>
           </a:p>
@@ -2973,35 +2973,6 @@
           <a:chExt cx="0" cy="0"/>
         </a:xfrm>
       </p:grpSpPr>
-      <p:pic>
-        <p:nvPicPr>
-          <p:cNvPr id="5" name="Picture 4">
-            <a:extLst>
-              <a:ext uri="{FF2B5EF4-FFF2-40B4-BE49-F238E27FC236}">
-                <a16:creationId xmlns:a16="http://schemas.microsoft.com/office/drawing/2014/main" id="{50BD88FB-CB51-2247-BA9A-973741175EC6}"/>
-              </a:ext>
-            </a:extLst>
-          </p:cNvPr>
-          <p:cNvPicPr>
-            <a:picLocks noChangeAspect="1"/>
-          </p:cNvPicPr>
-          <p:nvPr/>
-        </p:nvPicPr>
-        <p:blipFill>
-          <a:blip r:embed="rId2"/>
-          <a:srcRect/>
-          <a:stretch/>
-        </p:blipFill>
-        <p:spPr>
-          <a:xfrm>
-            <a:off x="0" y="0"/>
-            <a:ext cx="3657600" cy="3657600"/>
-          </a:xfrm>
-          <a:prstGeom prst="rect">
-            <a:avLst/>
-          </a:prstGeom>
-        </p:spPr>
-      </p:pic>
       <p:grpSp>
         <p:nvGrpSpPr>
           <p:cNvPr id="69" name="Group 68">
@@ -3016,10 +2987,10 @@
         </p:nvGrpSpPr>
         <p:grpSpPr>
           <a:xfrm>
-            <a:off x="3619931" y="91908"/>
-            <a:ext cx="2557787" cy="1736892"/>
+            <a:off x="4039564" y="256814"/>
+            <a:ext cx="2142012" cy="1235474"/>
             <a:chOff x="3422045" y="225084"/>
-            <a:chExt cx="2557787" cy="1736892"/>
+            <a:chExt cx="2557787" cy="1702671"/>
           </a:xfrm>
         </p:grpSpPr>
         <p:sp>
@@ -3036,8 +3007,8 @@
           </p:nvSpPr>
           <p:spPr>
             <a:xfrm rot="1344201">
-              <a:off x="4496617" y="930474"/>
-              <a:ext cx="453112" cy="230832"/>
+              <a:off x="4430180" y="952540"/>
+              <a:ext cx="453112" cy="233244"/>
             </a:xfrm>
             <a:prstGeom prst="rect">
               <a:avLst/>
@@ -3051,7 +3022,7 @@
             <a:lstStyle/>
             <a:p>
               <a:r>
-                <a:rPr lang="en-NL" sz="900" b="1" dirty="0">
+                <a:rPr lang="en-NL" sz="600" b="1" dirty="0">
                   <a:solidFill>
                     <a:srgbClr val="FF7F0F"/>
                   </a:solidFill>
@@ -3077,7 +3048,7 @@
           <p:spPr>
             <a:xfrm>
               <a:off x="4137674" y="967091"/>
-              <a:ext cx="482425" cy="230832"/>
+              <a:ext cx="482425" cy="184666"/>
             </a:xfrm>
             <a:prstGeom prst="rect">
               <a:avLst/>
@@ -3091,7 +3062,7 @@
             <a:lstStyle/>
             <a:p>
               <a:r>
-                <a:rPr lang="en-NL" sz="900" b="1" dirty="0">
+                <a:rPr lang="en-NL" sz="600" b="1" dirty="0">
                   <a:solidFill>
                     <a:srgbClr val="1E77B4"/>
                   </a:solidFill>
@@ -3116,8 +3087,8 @@
           </p:nvSpPr>
           <p:spPr>
             <a:xfrm rot="2613847">
-              <a:off x="4808422" y="943521"/>
-              <a:ext cx="497594" cy="230832"/>
+              <a:off x="4821389" y="971278"/>
+              <a:ext cx="497594" cy="184665"/>
             </a:xfrm>
             <a:prstGeom prst="rect">
               <a:avLst/>
@@ -3131,7 +3102,7 @@
             <a:lstStyle/>
             <a:p>
               <a:r>
-                <a:rPr lang="en-NL" sz="900" b="1" dirty="0">
+                <a:rPr lang="en-NL" sz="600" b="1" dirty="0">
                   <a:solidFill>
                     <a:srgbClr val="D72627"/>
                   </a:solidFill>
@@ -3157,7 +3128,7 @@
           <p:spPr>
             <a:xfrm>
               <a:off x="3422045" y="225084"/>
-              <a:ext cx="934003" cy="230832"/>
+              <a:ext cx="934003" cy="184666"/>
             </a:xfrm>
             <a:prstGeom prst="rect">
               <a:avLst/>
@@ -3172,7 +3143,7 @@
             <a:p>
               <a:pPr algn="ctr"/>
               <a:r>
-                <a:rPr lang="en-NL" sz="900" dirty="0">
+                <a:rPr lang="en-NL" sz="600" dirty="0">
                   <a:latin typeface="Garamond" panose="02020404030301010803" pitchFamily="18" charset="0"/>
                 </a:rPr>
                 <a:t>Iceberg source</a:t>
@@ -3195,7 +3166,7 @@
           <p:spPr>
             <a:xfrm>
               <a:off x="5045829" y="231307"/>
-              <a:ext cx="934003" cy="230832"/>
+              <a:ext cx="934003" cy="184666"/>
             </a:xfrm>
             <a:prstGeom prst="rect">
               <a:avLst/>
@@ -3210,7 +3181,7 @@
             <a:p>
               <a:pPr algn="ctr"/>
               <a:r>
-                <a:rPr lang="en-NL" sz="900" dirty="0">
+                <a:rPr lang="en-NL" sz="600" dirty="0">
                   <a:latin typeface="Garamond" panose="02020404030301010803" pitchFamily="18" charset="0"/>
                 </a:rPr>
                 <a:t>Meltwater sink</a:t>
@@ -3236,11 +3207,11 @@
           <p:spPr>
             <a:xfrm>
               <a:off x="4190822" y="579060"/>
-              <a:ext cx="1016846" cy="302743"/>
+              <a:ext cx="1016846" cy="314829"/>
             </a:xfrm>
             <a:prstGeom prst="curvedConnector3">
               <a:avLst>
-                <a:gd name="adj1" fmla="val 67102"/>
+                <a:gd name="adj1" fmla="val 65416"/>
               </a:avLst>
             </a:prstGeom>
             <a:ln w="38100">
@@ -3282,12 +3253,12 @@
           </p:nvCxnSpPr>
           <p:spPr>
             <a:xfrm>
-              <a:off x="4190822" y="579061"/>
-              <a:ext cx="1012928" cy="600655"/>
+              <a:off x="4190822" y="579060"/>
+              <a:ext cx="1012929" cy="612742"/>
             </a:xfrm>
             <a:prstGeom prst="curvedConnector3">
               <a:avLst>
-                <a:gd name="adj1" fmla="val 65507"/>
+                <a:gd name="adj1" fmla="val 64639"/>
               </a:avLst>
             </a:prstGeom>
             <a:ln w="38100">
@@ -3330,8 +3301,8 @@
           </p:nvCxnSpPr>
           <p:spPr>
             <a:xfrm>
-              <a:off x="4197262" y="583896"/>
-              <a:ext cx="1006488" cy="12700"/>
+              <a:off x="4197262" y="595983"/>
+              <a:ext cx="1006489" cy="16041"/>
             </a:xfrm>
             <a:prstGeom prst="curvedConnector3">
               <a:avLst/>
@@ -3376,11 +3347,11 @@
           <p:spPr>
             <a:xfrm>
               <a:off x="4190822" y="579060"/>
-              <a:ext cx="1019748" cy="899185"/>
+              <a:ext cx="1019749" cy="911272"/>
             </a:xfrm>
             <a:prstGeom prst="curvedConnector3">
               <a:avLst>
-                <a:gd name="adj1" fmla="val 62103"/>
+                <a:gd name="adj1" fmla="val 60802"/>
               </a:avLst>
             </a:prstGeom>
             <a:ln w="38100">
@@ -3423,8 +3394,8 @@
           </p:nvCxnSpPr>
           <p:spPr>
             <a:xfrm>
-              <a:off x="4201180" y="881803"/>
-              <a:ext cx="1006488" cy="12700"/>
+              <a:off x="4201179" y="893890"/>
+              <a:ext cx="1006489" cy="16041"/>
             </a:xfrm>
             <a:prstGeom prst="curvedConnector3">
               <a:avLst/>
@@ -3469,12 +3440,12 @@
           </p:nvCxnSpPr>
           <p:spPr>
             <a:xfrm>
-              <a:off x="4201180" y="881803"/>
-              <a:ext cx="1002570" cy="297913"/>
+              <a:off x="4201179" y="893890"/>
+              <a:ext cx="1002571" cy="297913"/>
             </a:xfrm>
             <a:prstGeom prst="curvedConnector3">
               <a:avLst>
-                <a:gd name="adj1" fmla="val 34892"/>
+                <a:gd name="adj1" fmla="val 50000"/>
               </a:avLst>
             </a:prstGeom>
             <a:ln w="38100">
@@ -3517,12 +3488,12 @@
           </p:nvCxnSpPr>
           <p:spPr>
             <a:xfrm>
-              <a:off x="4201180" y="881803"/>
-              <a:ext cx="1009390" cy="596442"/>
+              <a:off x="4201179" y="893890"/>
+              <a:ext cx="1009391" cy="596442"/>
             </a:xfrm>
             <a:prstGeom prst="curvedConnector3">
               <a:avLst>
-                <a:gd name="adj1" fmla="val 33883"/>
+                <a:gd name="adj1" fmla="val 33212"/>
               </a:avLst>
             </a:prstGeom>
             <a:ln w="38100">
@@ -3565,8 +3536,8 @@
           </p:nvCxnSpPr>
           <p:spPr>
             <a:xfrm>
-              <a:off x="4197261" y="1179716"/>
-              <a:ext cx="1006489" cy="12700"/>
+              <a:off x="4197261" y="1191803"/>
+              <a:ext cx="1006490" cy="16041"/>
             </a:xfrm>
             <a:prstGeom prst="curvedConnector3">
               <a:avLst/>
@@ -3611,12 +3582,12 @@
           </p:nvCxnSpPr>
           <p:spPr>
             <a:xfrm>
-              <a:off x="4197261" y="1179716"/>
-              <a:ext cx="1013309" cy="298529"/>
+              <a:off x="4197261" y="1191803"/>
+              <a:ext cx="1013310" cy="298529"/>
             </a:xfrm>
             <a:prstGeom prst="curvedConnector3">
               <a:avLst>
-                <a:gd name="adj1" fmla="val 30070"/>
+                <a:gd name="adj1" fmla="val 30768"/>
               </a:avLst>
             </a:prstGeom>
             <a:ln w="38100">
@@ -3659,8 +3630,8 @@
           </p:nvCxnSpPr>
           <p:spPr>
             <a:xfrm>
-              <a:off x="4204082" y="1478245"/>
-              <a:ext cx="1006488" cy="12700"/>
+              <a:off x="4204082" y="1490332"/>
+              <a:ext cx="1006489" cy="16041"/>
             </a:xfrm>
             <a:prstGeom prst="curvedConnector3">
               <a:avLst>
@@ -3707,8 +3678,8 @@
           </p:nvCxnSpPr>
           <p:spPr>
             <a:xfrm>
-              <a:off x="4204082" y="1775888"/>
-              <a:ext cx="1006488" cy="12700"/>
+              <a:off x="4204082" y="1787975"/>
+              <a:ext cx="1006489" cy="16041"/>
             </a:xfrm>
             <a:prstGeom prst="curvedConnector3">
               <a:avLst/>
@@ -3749,8 +3720,8 @@
           </p:nvSpPr>
           <p:spPr>
             <a:xfrm>
-              <a:off x="4788831" y="399339"/>
-              <a:ext cx="444170" cy="230832"/>
+              <a:off x="4792232" y="373691"/>
+              <a:ext cx="444170" cy="184666"/>
             </a:xfrm>
             <a:prstGeom prst="rect">
               <a:avLst/>
@@ -3764,7 +3735,7 @@
             <a:lstStyle/>
             <a:p>
               <a:r>
-                <a:rPr lang="en-NL" sz="900" b="1" dirty="0">
+                <a:rPr lang="en-NL" sz="600" b="1" dirty="0">
                   <a:solidFill>
                     <a:srgbClr val="D72627"/>
                   </a:solidFill>
@@ -3789,8 +3760,8 @@
           </p:nvSpPr>
           <p:spPr>
             <a:xfrm rot="2103060">
-              <a:off x="4820933" y="656296"/>
-              <a:ext cx="471438" cy="230832"/>
+              <a:off x="4786737" y="651976"/>
+              <a:ext cx="471438" cy="184666"/>
             </a:xfrm>
             <a:prstGeom prst="rect">
               <a:avLst/>
@@ -3804,7 +3775,7 @@
             <a:lstStyle/>
             <a:p>
               <a:r>
-                <a:rPr lang="en-NL" sz="900" b="1" dirty="0">
+                <a:rPr lang="en-NL" sz="600" b="1" dirty="0">
                   <a:solidFill>
                     <a:srgbClr val="D72627"/>
                   </a:solidFill>
@@ -3829,8 +3800,8 @@
           </p:nvSpPr>
           <p:spPr>
             <a:xfrm rot="2500240">
-              <a:off x="4823857" y="1245696"/>
-              <a:ext cx="526146" cy="230832"/>
+              <a:off x="4825600" y="1270790"/>
+              <a:ext cx="526146" cy="184665"/>
             </a:xfrm>
             <a:prstGeom prst="rect">
               <a:avLst/>
@@ -3844,7 +3815,7 @@
             <a:lstStyle/>
             <a:p>
               <a:r>
-                <a:rPr lang="en-NL" sz="900" b="1" dirty="0">
+                <a:rPr lang="en-NL" sz="600" b="1" dirty="0">
                   <a:solidFill>
                     <a:srgbClr val="D72627"/>
                   </a:solidFill>
@@ -3869,8 +3840,8 @@
           </p:nvSpPr>
           <p:spPr>
             <a:xfrm>
-              <a:off x="4141176" y="691356"/>
-              <a:ext cx="444170" cy="230832"/>
+              <a:off x="4190820" y="656905"/>
+              <a:ext cx="444170" cy="184666"/>
             </a:xfrm>
             <a:prstGeom prst="rect">
               <a:avLst/>
@@ -3884,7 +3855,7 @@
             <a:lstStyle/>
             <a:p>
               <a:r>
-                <a:rPr lang="en-NL" sz="900" b="1" dirty="0">
+                <a:rPr lang="en-NL" sz="600" b="1" dirty="0">
                   <a:solidFill>
                     <a:srgbClr val="FF7F0F"/>
                   </a:solidFill>
@@ -3908,9 +3879,9 @@
             <p:nvPr/>
           </p:nvSpPr>
           <p:spPr>
-            <a:xfrm rot="1304816">
-              <a:off x="4550291" y="1194627"/>
-              <a:ext cx="464793" cy="230832"/>
+            <a:xfrm rot="1468184">
+              <a:off x="4563779" y="1216115"/>
+              <a:ext cx="464793" cy="233244"/>
             </a:xfrm>
             <a:prstGeom prst="rect">
               <a:avLst/>
@@ -3924,7 +3895,7 @@
             <a:lstStyle/>
             <a:p>
               <a:r>
-                <a:rPr lang="en-NL" sz="900" b="1" dirty="0">
+                <a:rPr lang="en-NL" sz="600" b="1" dirty="0">
                   <a:solidFill>
                     <a:srgbClr val="FF7F0F"/>
                   </a:solidFill>
@@ -3949,8 +3920,8 @@
           </p:nvSpPr>
           <p:spPr>
             <a:xfrm rot="1820757">
-              <a:off x="4176023" y="1205983"/>
-              <a:ext cx="440884" cy="230832"/>
+              <a:off x="4221833" y="1231659"/>
+              <a:ext cx="440884" cy="184665"/>
             </a:xfrm>
             <a:prstGeom prst="rect">
               <a:avLst/>
@@ -3964,7 +3935,7 @@
             <a:lstStyle/>
             <a:p>
               <a:r>
-                <a:rPr lang="en-NL" sz="900" b="1" dirty="0">
+                <a:rPr lang="en-NL" sz="600" b="1" dirty="0">
                   <a:solidFill>
                     <a:srgbClr val="1E77B4"/>
                   </a:solidFill>
@@ -3990,7 +3961,7 @@
           <p:spPr>
             <a:xfrm>
               <a:off x="4478841" y="1435788"/>
-              <a:ext cx="509289" cy="230832"/>
+              <a:ext cx="509289" cy="184666"/>
             </a:xfrm>
             <a:prstGeom prst="rect">
               <a:avLst/>
@@ -4004,7 +3975,7 @@
             <a:lstStyle/>
             <a:p>
               <a:r>
-                <a:rPr lang="en-NL" sz="900" b="1" dirty="0">
+                <a:rPr lang="en-NL" sz="600" b="1" dirty="0">
                   <a:solidFill>
                     <a:srgbClr val="9467BD"/>
                   </a:solidFill>
@@ -4030,7 +4001,7 @@
           <p:spPr>
             <a:xfrm>
               <a:off x="4457620" y="1731144"/>
-              <a:ext cx="509288" cy="230832"/>
+              <a:ext cx="509288" cy="184666"/>
             </a:xfrm>
             <a:prstGeom prst="rect">
               <a:avLst/>
@@ -4044,7 +4015,7 @@
             <a:lstStyle/>
             <a:p>
               <a:r>
-                <a:rPr lang="en-NL" sz="900" b="1" dirty="0">
+                <a:rPr lang="en-NL" sz="600" b="1" dirty="0">
                   <a:solidFill>
                     <a:srgbClr val="2BA02B"/>
                   </a:solidFill>
@@ -4070,7 +4041,7 @@
           <p:spPr>
             <a:xfrm>
               <a:off x="3468282" y="456201"/>
-              <a:ext cx="728980" cy="255389"/>
+              <a:ext cx="728980" cy="279562"/>
             </a:xfrm>
             <a:prstGeom prst="roundRect">
               <a:avLst/>
@@ -4087,7 +4058,7 @@
             <a:p>
               <a:pPr algn="ctr"/>
               <a:r>
-                <a:rPr lang="en-NL" sz="900" dirty="0">
+                <a:rPr lang="en-NL" sz="700" dirty="0">
                   <a:latin typeface="Garamond" panose="02020404030301010803" pitchFamily="18" charset="0"/>
                 </a:rPr>
                 <a:t>Amundsen</a:t>
@@ -4110,7 +4081,7 @@
           <p:spPr>
             <a:xfrm>
               <a:off x="3468282" y="754108"/>
-              <a:ext cx="732898" cy="255389"/>
+              <a:ext cx="732898" cy="279562"/>
             </a:xfrm>
             <a:prstGeom prst="roundRect">
               <a:avLst/>
@@ -4127,7 +4098,7 @@
             <a:p>
               <a:pPr algn="ctr"/>
               <a:r>
-                <a:rPr lang="en-NL" sz="900" dirty="0">
+                <a:rPr lang="en-NL" sz="700" dirty="0">
                   <a:latin typeface="Garamond" panose="02020404030301010803" pitchFamily="18" charset="0"/>
                 </a:rPr>
                 <a:t>Ross</a:t>
@@ -4150,7 +4121,7 @@
           <p:spPr>
             <a:xfrm>
               <a:off x="3468282" y="1052021"/>
-              <a:ext cx="728979" cy="255389"/>
+              <a:ext cx="728979" cy="279562"/>
             </a:xfrm>
             <a:prstGeom prst="roundRect">
               <a:avLst/>
@@ -4167,7 +4138,7 @@
             <a:p>
               <a:pPr algn="ctr"/>
               <a:r>
-                <a:rPr lang="en-NL" sz="900" dirty="0">
+                <a:rPr lang="en-NL" sz="700" dirty="0">
                   <a:latin typeface="Garamond" panose="02020404030301010803" pitchFamily="18" charset="0"/>
                 </a:rPr>
                 <a:t>East Ant.</a:t>
@@ -4190,7 +4161,7 @@
           <p:spPr>
             <a:xfrm>
               <a:off x="3466154" y="1350550"/>
-              <a:ext cx="737928" cy="255389"/>
+              <a:ext cx="737928" cy="279562"/>
             </a:xfrm>
             <a:prstGeom prst="roundRect">
               <a:avLst/>
@@ -4207,7 +4178,7 @@
             <a:p>
               <a:pPr algn="ctr"/>
               <a:r>
-                <a:rPr lang="en-NL" sz="900" dirty="0">
+                <a:rPr lang="en-NL" sz="700" dirty="0">
                   <a:latin typeface="Garamond" panose="02020404030301010803" pitchFamily="18" charset="0"/>
                 </a:rPr>
                 <a:t>Weddell</a:t>
@@ -4230,7 +4201,7 @@
           <p:spPr>
             <a:xfrm>
               <a:off x="3466154" y="1648193"/>
-              <a:ext cx="737928" cy="255389"/>
+              <a:ext cx="737928" cy="279562"/>
             </a:xfrm>
             <a:prstGeom prst="roundRect">
               <a:avLst/>
@@ -4247,7 +4218,7 @@
             <a:p>
               <a:pPr algn="ctr"/>
               <a:r>
-                <a:rPr lang="en-NL" sz="900" dirty="0">
+                <a:rPr lang="en-NL" sz="700" dirty="0">
                   <a:latin typeface="Garamond" panose="02020404030301010803" pitchFamily="18" charset="0"/>
                 </a:rPr>
                 <a:t>Peninsula</a:t>
@@ -4270,7 +4241,7 @@
           <p:spPr>
             <a:xfrm>
               <a:off x="5203750" y="456201"/>
-              <a:ext cx="710713" cy="255389"/>
+              <a:ext cx="710713" cy="279562"/>
             </a:xfrm>
             <a:prstGeom prst="roundRect">
               <a:avLst/>
@@ -4287,7 +4258,7 @@
             <a:p>
               <a:pPr algn="ctr"/>
               <a:r>
-                <a:rPr lang="en-NL" sz="900" dirty="0">
+                <a:rPr lang="en-NL" sz="700" dirty="0">
                   <a:latin typeface="Garamond" panose="02020404030301010803" pitchFamily="18" charset="0"/>
                 </a:rPr>
                 <a:t>Amundsen</a:t>
@@ -4310,7 +4281,7 @@
           <p:spPr>
             <a:xfrm>
               <a:off x="5207668" y="754108"/>
-              <a:ext cx="706795" cy="255389"/>
+              <a:ext cx="706795" cy="279562"/>
             </a:xfrm>
             <a:prstGeom prst="roundRect">
               <a:avLst/>
@@ -4327,7 +4298,7 @@
             <a:p>
               <a:pPr algn="ctr"/>
               <a:r>
-                <a:rPr lang="en-NL" sz="900" dirty="0">
+                <a:rPr lang="en-NL" sz="700" dirty="0">
                   <a:latin typeface="Garamond" panose="02020404030301010803" pitchFamily="18" charset="0"/>
                 </a:rPr>
                 <a:t>Ross</a:t>
@@ -4350,7 +4321,7 @@
           <p:spPr>
             <a:xfrm>
               <a:off x="5203750" y="1052021"/>
-              <a:ext cx="706795" cy="255389"/>
+              <a:ext cx="706795" cy="279562"/>
             </a:xfrm>
             <a:prstGeom prst="roundRect">
               <a:avLst/>
@@ -4367,7 +4338,7 @@
             <a:p>
               <a:pPr algn="ctr"/>
               <a:r>
-                <a:rPr lang="en-NL" sz="900" dirty="0">
+                <a:rPr lang="en-NL" sz="700" dirty="0">
                   <a:latin typeface="Garamond" panose="02020404030301010803" pitchFamily="18" charset="0"/>
                 </a:rPr>
                 <a:t>East Ant.</a:t>
@@ -4390,7 +4361,7 @@
           <p:spPr>
             <a:xfrm>
               <a:off x="5210570" y="1350550"/>
-              <a:ext cx="699975" cy="255389"/>
+              <a:ext cx="699975" cy="279562"/>
             </a:xfrm>
             <a:prstGeom prst="roundRect">
               <a:avLst/>
@@ -4407,7 +4378,7 @@
             <a:p>
               <a:pPr algn="ctr"/>
               <a:r>
-                <a:rPr lang="en-NL" sz="900" dirty="0">
+                <a:rPr lang="en-NL" sz="700" dirty="0">
                   <a:latin typeface="Garamond" panose="02020404030301010803" pitchFamily="18" charset="0"/>
                 </a:rPr>
                 <a:t>Weddell</a:t>
@@ -4430,7 +4401,7 @@
           <p:spPr>
             <a:xfrm>
               <a:off x="5210570" y="1648193"/>
-              <a:ext cx="699975" cy="255389"/>
+              <a:ext cx="699975" cy="279562"/>
             </a:xfrm>
             <a:prstGeom prst="roundRect">
               <a:avLst/>
@@ -4447,7 +4418,7 @@
             <a:p>
               <a:pPr algn="ctr"/>
               <a:r>
-                <a:rPr lang="en-NL" sz="900" dirty="0">
+                <a:rPr lang="en-NL" sz="700" dirty="0">
                   <a:latin typeface="Garamond" panose="02020404030301010803" pitchFamily="18" charset="0"/>
                 </a:rPr>
                 <a:t>Peninsula</a:t>
@@ -4456,6 +4427,73 @@
           </p:txBody>
         </p:sp>
       </p:grpSp>
+      <p:pic>
+        <p:nvPicPr>
+          <p:cNvPr id="3" name="Picture 2" descr="A diagram of different colored circles&#10;&#10;Description automatically generated with medium confidence">
+            <a:extLst>
+              <a:ext uri="{FF2B5EF4-FFF2-40B4-BE49-F238E27FC236}">
+                <a16:creationId xmlns:a16="http://schemas.microsoft.com/office/drawing/2014/main" id="{3E87ACA1-9A65-0679-AE9C-CBFD5A117B0D}"/>
+              </a:ext>
+            </a:extLst>
+          </p:cNvPr>
+          <p:cNvPicPr>
+            <a:picLocks noChangeAspect="1"/>
+          </p:cNvPicPr>
+          <p:nvPr/>
+        </p:nvPicPr>
+        <p:blipFill>
+          <a:blip r:embed="rId2"/>
+          <a:stretch>
+            <a:fillRect/>
+          </a:stretch>
+        </p:blipFill>
+        <p:spPr>
+          <a:xfrm>
+            <a:off x="20085" y="0"/>
+            <a:ext cx="3978582" cy="1705107"/>
+          </a:xfrm>
+          <a:prstGeom prst="rect">
+            <a:avLst/>
+          </a:prstGeom>
+        </p:spPr>
+      </p:pic>
+      <p:sp>
+        <p:nvSpPr>
+          <p:cNvPr id="24" name="TextBox 23">
+            <a:extLst>
+              <a:ext uri="{FF2B5EF4-FFF2-40B4-BE49-F238E27FC236}">
+                <a16:creationId xmlns:a16="http://schemas.microsoft.com/office/drawing/2014/main" id="{7A8F1C4C-598F-C892-E6DB-618EFB5D2FCF}"/>
+              </a:ext>
+            </a:extLst>
+          </p:cNvPr>
+          <p:cNvSpPr txBox="1"/>
+          <p:nvPr/>
+        </p:nvSpPr>
+        <p:spPr>
+          <a:xfrm>
+            <a:off x="3990270" y="71906"/>
+            <a:ext cx="987865" cy="200055"/>
+          </a:xfrm>
+          <a:prstGeom prst="rect">
+            <a:avLst/>
+          </a:prstGeom>
+          <a:noFill/>
+        </p:spPr>
+        <p:txBody>
+          <a:bodyPr wrap="square" rtlCol="0">
+            <a:spAutoFit/>
+          </a:bodyPr>
+          <a:lstStyle/>
+          <a:p>
+            <a:r>
+              <a:rPr lang="en-NL" sz="700" dirty="0">
+                <a:latin typeface="Garamond" panose="02020404030301010803" pitchFamily="18" charset="0"/>
+              </a:rPr>
+              <a:t>d) Iceberg rerouting</a:t>
+            </a:r>
+          </a:p>
+        </p:txBody>
+      </p:sp>
     </p:spTree>
     <p:extLst>
       <p:ext uri="{BB962C8B-B14F-4D97-AF65-F5344CB8AC3E}">
